--- a/images/middleware.pptx
+++ b/images/middleware.pptx
@@ -243,7 +243,7 @@
           <a:p>
             <a:fld id="{F69E2DF0-B77F-AD4A-B6BB-9598DF853393}" type="datetimeFigureOut">
               <a:rPr lang="en-US" smtClean="0"/>
-              <a:t>9/17/18</a:t>
+              <a:t>10/7/20</a:t>
             </a:fld>
             <a:endParaRPr lang="en-US"/>
           </a:p>
@@ -413,7 +413,7 @@
           <a:p>
             <a:fld id="{F69E2DF0-B77F-AD4A-B6BB-9598DF853393}" type="datetimeFigureOut">
               <a:rPr lang="en-US" smtClean="0"/>
-              <a:t>9/17/18</a:t>
+              <a:t>10/7/20</a:t>
             </a:fld>
             <a:endParaRPr lang="en-US"/>
           </a:p>
@@ -593,7 +593,7 @@
           <a:p>
             <a:fld id="{F69E2DF0-B77F-AD4A-B6BB-9598DF853393}" type="datetimeFigureOut">
               <a:rPr lang="en-US" smtClean="0"/>
-              <a:t>9/17/18</a:t>
+              <a:t>10/7/20</a:t>
             </a:fld>
             <a:endParaRPr lang="en-US"/>
           </a:p>
@@ -763,7 +763,7 @@
           <a:p>
             <a:fld id="{F69E2DF0-B77F-AD4A-B6BB-9598DF853393}" type="datetimeFigureOut">
               <a:rPr lang="en-US" smtClean="0"/>
-              <a:t>9/17/18</a:t>
+              <a:t>10/7/20</a:t>
             </a:fld>
             <a:endParaRPr lang="en-US"/>
           </a:p>
@@ -1009,7 +1009,7 @@
           <a:p>
             <a:fld id="{F69E2DF0-B77F-AD4A-B6BB-9598DF853393}" type="datetimeFigureOut">
               <a:rPr lang="en-US" smtClean="0"/>
-              <a:t>9/17/18</a:t>
+              <a:t>10/7/20</a:t>
             </a:fld>
             <a:endParaRPr lang="en-US"/>
           </a:p>
@@ -1241,7 +1241,7 @@
           <a:p>
             <a:fld id="{F69E2DF0-B77F-AD4A-B6BB-9598DF853393}" type="datetimeFigureOut">
               <a:rPr lang="en-US" smtClean="0"/>
-              <a:t>9/17/18</a:t>
+              <a:t>10/7/20</a:t>
             </a:fld>
             <a:endParaRPr lang="en-US"/>
           </a:p>
@@ -1608,7 +1608,7 @@
           <a:p>
             <a:fld id="{F69E2DF0-B77F-AD4A-B6BB-9598DF853393}" type="datetimeFigureOut">
               <a:rPr lang="en-US" smtClean="0"/>
-              <a:t>9/17/18</a:t>
+              <a:t>10/7/20</a:t>
             </a:fld>
             <a:endParaRPr lang="en-US"/>
           </a:p>
@@ -1726,7 +1726,7 @@
           <a:p>
             <a:fld id="{F69E2DF0-B77F-AD4A-B6BB-9598DF853393}" type="datetimeFigureOut">
               <a:rPr lang="en-US" smtClean="0"/>
-              <a:t>9/17/18</a:t>
+              <a:t>10/7/20</a:t>
             </a:fld>
             <a:endParaRPr lang="en-US"/>
           </a:p>
@@ -1821,7 +1821,7 @@
           <a:p>
             <a:fld id="{F69E2DF0-B77F-AD4A-B6BB-9598DF853393}" type="datetimeFigureOut">
               <a:rPr lang="en-US" smtClean="0"/>
-              <a:t>9/17/18</a:t>
+              <a:t>10/7/20</a:t>
             </a:fld>
             <a:endParaRPr lang="en-US"/>
           </a:p>
@@ -2098,7 +2098,7 @@
           <a:p>
             <a:fld id="{F69E2DF0-B77F-AD4A-B6BB-9598DF853393}" type="datetimeFigureOut">
               <a:rPr lang="en-US" smtClean="0"/>
-              <a:t>9/17/18</a:t>
+              <a:t>10/7/20</a:t>
             </a:fld>
             <a:endParaRPr lang="en-US"/>
           </a:p>
@@ -2355,7 +2355,7 @@
           <a:p>
             <a:fld id="{F69E2DF0-B77F-AD4A-B6BB-9598DF853393}" type="datetimeFigureOut">
               <a:rPr lang="en-US" smtClean="0"/>
-              <a:t>9/17/18</a:t>
+              <a:t>10/7/20</a:t>
             </a:fld>
             <a:endParaRPr lang="en-US"/>
           </a:p>
@@ -2568,7 +2568,7 @@
           <a:p>
             <a:fld id="{F69E2DF0-B77F-AD4A-B6BB-9598DF853393}" type="datetimeFigureOut">
               <a:rPr lang="en-US" smtClean="0"/>
-              <a:t>9/17/18</a:t>
+              <a:t>10/7/20</a:t>
             </a:fld>
             <a:endParaRPr lang="en-US"/>
           </a:p>
@@ -3842,6 +3842,41 @@
           </a:p>
         </p:txBody>
       </p:sp>
+      <p:sp>
+        <p:nvSpPr>
+          <p:cNvPr id="3" name="TextBox 2">
+            <a:extLst>
+              <a:ext uri="{FF2B5EF4-FFF2-40B4-BE49-F238E27FC236}">
+                <a16:creationId xmlns:a16="http://schemas.microsoft.com/office/drawing/2014/main" id="{6B8FE131-71FB-834E-8C9E-B85CBAD8B167}"/>
+              </a:ext>
+            </a:extLst>
+          </p:cNvPr>
+          <p:cNvSpPr txBox="1"/>
+          <p:nvPr/>
+        </p:nvSpPr>
+        <p:spPr>
+          <a:xfrm>
+            <a:off x="2198318" y="2599937"/>
+            <a:ext cx="1688283" cy="228396"/>
+          </a:xfrm>
+          <a:prstGeom prst="rect">
+            <a:avLst/>
+          </a:prstGeom>
+          <a:noFill/>
+        </p:spPr>
+        <p:txBody>
+          <a:bodyPr wrap="none" rtlCol="0">
+            <a:spAutoFit/>
+          </a:bodyPr>
+          <a:lstStyle/>
+          <a:p>
+            <a:r>
+              <a:rPr lang="en-BR" dirty="0"/>
+              <a:t>Adaptado de Tanenbaum, 2015. </a:t>
+            </a:r>
+          </a:p>
+        </p:txBody>
+      </p:sp>
     </p:spTree>
     <p:extLst>
       <p:ext uri="{BB962C8B-B14F-4D97-AF65-F5344CB8AC3E}">
